--- a/presentations/A_very_bad_presentation.pptx
+++ b/presentations/A_very_bad_presentation.pptx
@@ -7,7 +7,9 @@
   <p:sldIdLst>
     <p:sldId id="256" r:id="rId2"/>
     <p:sldId id="258" r:id="rId3"/>
-    <p:sldId id="257" r:id="rId4"/>
+    <p:sldId id="260" r:id="rId4"/>
+    <p:sldId id="259" r:id="rId5"/>
+    <p:sldId id="261" r:id="rId6"/>
   </p:sldIdLst>
   <p:sldSz cx="12192000" cy="6858000"/>
   <p:notesSz cx="6858000" cy="9144000"/>
@@ -106,6 +108,11 @@
       </a:defRPr>
     </a:lvl9pPr>
   </p:defaultTextStyle>
+  <p:extLst>
+    <p:ext uri="{EFAFB233-063F-42B5-8137-9DF3F51BA10A}">
+      <p15:sldGuideLst xmlns:p15="http://schemas.microsoft.com/office/powerpoint/2012/main"/>
+    </p:ext>
+  </p:extLst>
 </p:presentation>
 </file>
 
@@ -279,7 +286,7 @@
           <a:p>
             <a:fld id="{48A87A34-81AB-432B-8DAE-1953F412C126}" type="datetimeFigureOut">
               <a:rPr lang="en-US" dirty="0"/>
-              <a:t>6/1/25</a:t>
+              <a:t>7/10/25</a:t>
             </a:fld>
             <a:endParaRPr lang="en-US" dirty="0"/>
           </a:p>
@@ -541,7 +548,7 @@
           <a:p>
             <a:fld id="{48A87A34-81AB-432B-8DAE-1953F412C126}" type="datetimeFigureOut">
               <a:rPr lang="en-US" dirty="0"/>
-              <a:t>6/1/25</a:t>
+              <a:t>7/10/25</a:t>
             </a:fld>
             <a:endParaRPr lang="en-US" dirty="0"/>
           </a:p>
@@ -768,7 +775,7 @@
             <a:fld id="{48A87A34-81AB-432B-8DAE-1953F412C126}" type="datetimeFigureOut">
               <a:rPr lang="en-US" dirty="0"/>
               <a:pPr/>
-              <a:t>6/1/25</a:t>
+              <a:t>7/10/25</a:t>
             </a:fld>
             <a:endParaRPr lang="en-US" dirty="0"/>
           </a:p>
@@ -1074,7 +1081,7 @@
             <a:fld id="{48A87A34-81AB-432B-8DAE-1953F412C126}" type="datetimeFigureOut">
               <a:rPr lang="en-US" dirty="0"/>
               <a:pPr/>
-              <a:t>6/1/25</a:t>
+              <a:t>7/10/25</a:t>
             </a:fld>
             <a:endParaRPr lang="en-US" dirty="0"/>
           </a:p>
@@ -1543,7 +1550,7 @@
             <a:fld id="{48A87A34-81AB-432B-8DAE-1953F412C126}" type="datetimeFigureOut">
               <a:rPr lang="en-US" dirty="0"/>
               <a:pPr/>
-              <a:t>6/1/25</a:t>
+              <a:t>7/10/25</a:t>
             </a:fld>
             <a:endParaRPr lang="en-US" dirty="0"/>
           </a:p>
@@ -2085,7 +2092,7 @@
           <a:p>
             <a:fld id="{48A87A34-81AB-432B-8DAE-1953F412C126}" type="datetimeFigureOut">
               <a:rPr lang="en-US" dirty="0"/>
-              <a:t>6/1/25</a:t>
+              <a:t>7/10/25</a:t>
             </a:fld>
             <a:endParaRPr lang="en-US" dirty="0"/>
           </a:p>
@@ -2854,7 +2861,7 @@
           <a:p>
             <a:fld id="{48A87A34-81AB-432B-8DAE-1953F412C126}" type="datetimeFigureOut">
               <a:rPr lang="en-US" dirty="0"/>
-              <a:t>6/1/25</a:t>
+              <a:t>7/10/25</a:t>
             </a:fld>
             <a:endParaRPr lang="en-US" dirty="0"/>
           </a:p>
@@ -3024,7 +3031,7 @@
           <a:p>
             <a:fld id="{48A87A34-81AB-432B-8DAE-1953F412C126}" type="datetimeFigureOut">
               <a:rPr lang="en-US" dirty="0"/>
-              <a:t>6/1/25</a:t>
+              <a:t>7/10/25</a:t>
             </a:fld>
             <a:endParaRPr lang="en-US" dirty="0"/>
           </a:p>
@@ -3243,7 +3250,7 @@
             <a:fld id="{48A87A34-81AB-432B-8DAE-1953F412C126}" type="datetimeFigureOut">
               <a:rPr lang="en-US" dirty="0"/>
               <a:pPr/>
-              <a:t>6/1/25</a:t>
+              <a:t>7/10/25</a:t>
             </a:fld>
             <a:endParaRPr lang="en-US" dirty="0"/>
           </a:p>
@@ -3418,7 +3425,7 @@
           <a:p>
             <a:fld id="{48A87A34-81AB-432B-8DAE-1953F412C126}" type="datetimeFigureOut">
               <a:rPr lang="en-US" dirty="0"/>
-              <a:t>6/1/25</a:t>
+              <a:t>7/10/25</a:t>
             </a:fld>
             <a:endParaRPr lang="en-US" dirty="0"/>
           </a:p>
@@ -3703,7 +3710,7 @@
             <a:fld id="{48A87A34-81AB-432B-8DAE-1953F412C126}" type="datetimeFigureOut">
               <a:rPr lang="en-US" dirty="0"/>
               <a:pPr/>
-              <a:t>6/1/25</a:t>
+              <a:t>7/10/25</a:t>
             </a:fld>
             <a:endParaRPr lang="en-US" dirty="0"/>
           </a:p>
@@ -3940,7 +3947,7 @@
           <a:p>
             <a:fld id="{48A87A34-81AB-432B-8DAE-1953F412C126}" type="datetimeFigureOut">
               <a:rPr lang="en-US" dirty="0"/>
-              <a:t>6/1/25</a:t>
+              <a:t>7/10/25</a:t>
             </a:fld>
             <a:endParaRPr lang="en-US" dirty="0"/>
           </a:p>
@@ -4314,7 +4321,7 @@
           <a:p>
             <a:fld id="{48A87A34-81AB-432B-8DAE-1953F412C126}" type="datetimeFigureOut">
               <a:rPr lang="en-US" dirty="0"/>
-              <a:t>6/1/25</a:t>
+              <a:t>7/10/25</a:t>
             </a:fld>
             <a:endParaRPr lang="en-US" dirty="0"/>
           </a:p>
@@ -4427,7 +4434,7 @@
           <a:p>
             <a:fld id="{48A87A34-81AB-432B-8DAE-1953F412C126}" type="datetimeFigureOut">
               <a:rPr lang="en-US" dirty="0"/>
-              <a:t>6/1/25</a:t>
+              <a:t>7/10/25</a:t>
             </a:fld>
             <a:endParaRPr lang="en-US" dirty="0"/>
           </a:p>
@@ -4517,7 +4524,7 @@
           <a:p>
             <a:fld id="{48A87A34-81AB-432B-8DAE-1953F412C126}" type="datetimeFigureOut">
               <a:rPr lang="en-US" dirty="0"/>
-              <a:t>6/1/25</a:t>
+              <a:t>7/10/25</a:t>
             </a:fld>
             <a:endParaRPr lang="en-US" dirty="0"/>
           </a:p>
@@ -4761,7 +4768,7 @@
           <a:p>
             <a:fld id="{48A87A34-81AB-432B-8DAE-1953F412C126}" type="datetimeFigureOut">
               <a:rPr lang="en-US" dirty="0"/>
-              <a:t>6/1/25</a:t>
+              <a:t>7/10/25</a:t>
             </a:fld>
             <a:endParaRPr lang="en-US" dirty="0"/>
           </a:p>
@@ -5013,7 +5020,7 @@
           <a:p>
             <a:fld id="{48A87A34-81AB-432B-8DAE-1953F412C126}" type="datetimeFigureOut">
               <a:rPr lang="en-US" dirty="0"/>
-              <a:t>6/1/25</a:t>
+              <a:t>7/10/25</a:t>
             </a:fld>
             <a:endParaRPr lang="en-US" dirty="0"/>
           </a:p>
@@ -5252,7 +5259,7 @@
             <a:fld id="{48A87A34-81AB-432B-8DAE-1953F412C126}" type="datetimeFigureOut">
               <a:rPr lang="en-US" dirty="0"/>
               <a:pPr/>
-              <a:t>6/1/25</a:t>
+              <a:t>7/10/25</a:t>
             </a:fld>
             <a:endParaRPr lang="en-US" dirty="0"/>
           </a:p>
@@ -5677,12 +5684,14 @@
         </p:nvSpPr>
         <p:spPr/>
         <p:txBody>
-          <a:bodyPr/>
+          <a:bodyPr>
+            <a:normAutofit/>
+          </a:bodyPr>
           <a:lstStyle/>
           <a:p>
             <a:r>
-              <a:rPr lang="es-ES_tradnl" dirty="0"/>
-              <a:t>VIP</a:t>
+              <a:rPr lang="es-ES_tradnl" sz="4500" dirty="0"/>
+              <a:t>NET CONSUMPTION OF ENERGY</a:t>
             </a:r>
           </a:p>
         </p:txBody>
@@ -5710,7 +5719,7 @@
           <a:p>
             <a:r>
               <a:rPr lang="es-ES_tradnl" dirty="0" err="1"/>
-              <a:t>Very</a:t>
+              <a:t>Czech</a:t>
             </a:r>
             <a:r>
               <a:rPr lang="es-ES_tradnl" dirty="0"/>
@@ -5718,15 +5727,7 @@
             </a:r>
             <a:r>
               <a:rPr lang="es-ES_tradnl" dirty="0" err="1"/>
-              <a:t>Important</a:t>
-            </a:r>
-            <a:r>
-              <a:rPr lang="es-ES_tradnl" dirty="0"/>
-              <a:t> </a:t>
-            </a:r>
-            <a:r>
-              <a:rPr lang="es-ES_tradnl" dirty="0" err="1"/>
-              <a:t>Presentation</a:t>
+              <a:t>Republic</a:t>
             </a:r>
             <a:endParaRPr lang="es-ES_tradnl" dirty="0"/>
           </a:p>
@@ -5785,7 +5786,7 @@
           <a:p>
             <a:r>
               <a:rPr lang="es-ES_tradnl" dirty="0"/>
-              <a:t>THIS SPACE IS UNUSED</a:t>
+              <a:t>ABOUT ME</a:t>
             </a:r>
           </a:p>
         </p:txBody>
@@ -5806,51 +5807,1029 @@
             <p:ph idx="1"/>
           </p:nvPr>
         </p:nvSpPr>
-        <p:spPr/>
-        <p:txBody>
-          <a:bodyPr/>
+        <p:spPr>
+          <a:xfrm>
+            <a:off x="217968" y="1410887"/>
+            <a:ext cx="7572388" cy="5258130"/>
+          </a:xfrm>
+        </p:spPr>
+        <p:txBody>
+          <a:bodyPr>
+            <a:noAutofit/>
+          </a:bodyPr>
           <a:lstStyle/>
           <a:p>
-            <a:r>
-              <a:rPr lang="es-ES_tradnl" dirty="0" err="1"/>
-              <a:t>This</a:t>
-            </a:r>
-            <a:r>
-              <a:rPr lang="es-ES_tradnl" dirty="0"/>
-              <a:t> has no </a:t>
-            </a:r>
-            <a:r>
-              <a:rPr lang="es-ES_tradnl" dirty="0" err="1"/>
-              <a:t>relation</a:t>
-            </a:r>
-            <a:r>
-              <a:rPr lang="es-ES_tradnl" dirty="0"/>
+            <a:pPr marL="0" indent="0">
+              <a:buNone/>
+            </a:pPr>
+            <a:r>
+              <a:rPr lang="es-ES_tradnl" sz="1200" b="1" dirty="0">
+                <a:latin typeface="Britannic Bold" panose="020B0903060703020204" pitchFamily="34" charset="77"/>
+                <a:cs typeface="Aharoni" panose="02010803020104030203" pitchFamily="2" charset="-79"/>
+              </a:rPr>
+              <a:t>Job</a:t>
+            </a:r>
+          </a:p>
+          <a:p>
+            <a:pPr>
+              <a:buFont typeface="Courier New" panose="02070309020205020404" pitchFamily="49" charset="0"/>
+              <a:buChar char="o"/>
+            </a:pPr>
+            <a:r>
+              <a:rPr lang="es-ES_tradnl" sz="1200" dirty="0">
+                <a:latin typeface="Britannic Bold" panose="020B0903060703020204" pitchFamily="34" charset="77"/>
+                <a:cs typeface="Aharoni" panose="02010803020104030203" pitchFamily="2" charset="-79"/>
+              </a:rPr>
+              <a:t>uPlanner</a:t>
+            </a:r>
+          </a:p>
+          <a:p>
+            <a:pPr lvl="1">
+              <a:buFont typeface="Courier New" panose="02070309020205020404" pitchFamily="49" charset="0"/>
+              <a:buChar char="o"/>
+            </a:pPr>
+            <a:r>
+              <a:rPr lang="es-ES_tradnl" sz="1200" dirty="0" err="1">
+                <a:latin typeface="Britannic Bold" panose="020B0903060703020204" pitchFamily="34" charset="77"/>
+                <a:cs typeface="Aharoni" panose="02010803020104030203" pitchFamily="2" charset="-79"/>
+              </a:rPr>
+              <a:t>Innovation</a:t>
+            </a:r>
+            <a:r>
+              <a:rPr lang="es-ES_tradnl" sz="1200" dirty="0">
+                <a:latin typeface="Britannic Bold" panose="020B0903060703020204" pitchFamily="34" charset="77"/>
+                <a:cs typeface="Aharoni" panose="02010803020104030203" pitchFamily="2" charset="-79"/>
+              </a:rPr>
+              <a:t> Lead - Feb 2025 </a:t>
+            </a:r>
+            <a:r>
+              <a:rPr lang="es-ES_tradnl" sz="1200" dirty="0" err="1">
+                <a:latin typeface="Britannic Bold" panose="020B0903060703020204" pitchFamily="34" charset="77"/>
+                <a:cs typeface="Aharoni" panose="02010803020104030203" pitchFamily="2" charset="-79"/>
+              </a:rPr>
+              <a:t>to</a:t>
+            </a:r>
+            <a:r>
+              <a:rPr lang="es-ES_tradnl" sz="1200" dirty="0">
+                <a:latin typeface="Britannic Bold" panose="020B0903060703020204" pitchFamily="34" charset="77"/>
+                <a:cs typeface="Aharoni" panose="02010803020104030203" pitchFamily="2" charset="-79"/>
+              </a:rPr>
               <a:t> </a:t>
             </a:r>
             <a:r>
-              <a:rPr lang="es-ES_tradnl" dirty="0" err="1"/>
+              <a:rPr lang="es-ES_tradnl" sz="1200" dirty="0" err="1">
+                <a:latin typeface="Britannic Bold" panose="020B0903060703020204" pitchFamily="34" charset="77"/>
+                <a:cs typeface="Aharoni" panose="02010803020104030203" pitchFamily="2" charset="-79"/>
+              </a:rPr>
+              <a:t>Present</a:t>
+            </a:r>
+            <a:endParaRPr lang="es-ES_tradnl" sz="1200" dirty="0">
+              <a:latin typeface="Britannic Bold" panose="020B0903060703020204" pitchFamily="34" charset="77"/>
+              <a:cs typeface="Aharoni" panose="02010803020104030203" pitchFamily="2" charset="-79"/>
+            </a:endParaRPr>
+          </a:p>
+          <a:p>
+            <a:pPr lvl="1">
+              <a:buFont typeface="Courier New" panose="02070309020205020404" pitchFamily="49" charset="0"/>
+              <a:buChar char="o"/>
+            </a:pPr>
+            <a:r>
+              <a:rPr lang="es-ES_tradnl" sz="1200" dirty="0" err="1">
+                <a:latin typeface="Britannic Bold" panose="020B0903060703020204" pitchFamily="34" charset="77"/>
+                <a:cs typeface="Aharoni" panose="02010803020104030203" pitchFamily="2" charset="-79"/>
+              </a:rPr>
+              <a:t>Chief</a:t>
+            </a:r>
+            <a:r>
+              <a:rPr lang="es-ES_tradnl" sz="1200" dirty="0">
+                <a:latin typeface="Britannic Bold" panose="020B0903060703020204" pitchFamily="34" charset="77"/>
+                <a:cs typeface="Aharoni" panose="02010803020104030203" pitchFamily="2" charset="-79"/>
+              </a:rPr>
+              <a:t> Data </a:t>
+            </a:r>
+            <a:r>
+              <a:rPr lang="es-ES_tradnl" sz="1200" dirty="0" err="1">
+                <a:latin typeface="Britannic Bold" panose="020B0903060703020204" pitchFamily="34" charset="77"/>
+                <a:cs typeface="Aharoni" panose="02010803020104030203" pitchFamily="2" charset="-79"/>
+              </a:rPr>
+              <a:t>Officer</a:t>
+            </a:r>
+            <a:r>
+              <a:rPr lang="es-ES_tradnl" sz="1200" dirty="0">
+                <a:latin typeface="Britannic Bold" panose="020B0903060703020204" pitchFamily="34" charset="77"/>
+                <a:cs typeface="Aharoni" panose="02010803020104030203" pitchFamily="2" charset="-79"/>
+              </a:rPr>
+              <a:t> - Jan 2016 </a:t>
+            </a:r>
+            <a:r>
+              <a:rPr lang="es-ES_tradnl" sz="1200" dirty="0" err="1">
+                <a:latin typeface="Britannic Bold" panose="020B0903060703020204" pitchFamily="34" charset="77"/>
+                <a:cs typeface="Aharoni" panose="02010803020104030203" pitchFamily="2" charset="-79"/>
+              </a:rPr>
               <a:t>to</a:t>
             </a:r>
             <a:r>
-              <a:rPr lang="es-ES_tradnl" dirty="0"/>
+              <a:rPr lang="es-ES_tradnl" sz="1200" dirty="0">
+                <a:latin typeface="Britannic Bold" panose="020B0903060703020204" pitchFamily="34" charset="77"/>
+                <a:cs typeface="Aharoni" panose="02010803020104030203" pitchFamily="2" charset="-79"/>
+              </a:rPr>
+              <a:t> Feb 2025</a:t>
+            </a:r>
+          </a:p>
+          <a:p>
+            <a:pPr marL="0" indent="0">
+              <a:buNone/>
+            </a:pPr>
+            <a:endParaRPr lang="es-ES_tradnl" sz="1200" dirty="0"/>
+          </a:p>
+          <a:p>
+            <a:pPr marL="0" indent="0">
+              <a:buNone/>
+            </a:pPr>
+            <a:r>
+              <a:rPr lang="es-ES_tradnl" sz="1200" b="1" dirty="0" err="1">
+                <a:solidFill>
+                  <a:schemeClr val="accent6">
+                    <a:lumMod val="20000"/>
+                    <a:lumOff val="80000"/>
+                  </a:schemeClr>
+                </a:solidFill>
+                <a:latin typeface="Arial" panose="020B0604020202020204" pitchFamily="34" charset="0"/>
+                <a:cs typeface="Arial" panose="020B0604020202020204" pitchFamily="34" charset="0"/>
+              </a:rPr>
+              <a:t>Talks</a:t>
+            </a:r>
+            <a:endParaRPr lang="es-ES_tradnl" sz="1200" b="1" dirty="0">
+              <a:solidFill>
+                <a:schemeClr val="accent6">
+                  <a:lumMod val="20000"/>
+                  <a:lumOff val="80000"/>
+                </a:schemeClr>
+              </a:solidFill>
+              <a:latin typeface="Arial" panose="020B0604020202020204" pitchFamily="34" charset="0"/>
+              <a:cs typeface="Arial" panose="020B0604020202020204" pitchFamily="34" charset="0"/>
+            </a:endParaRPr>
+          </a:p>
+          <a:p>
+            <a:pPr>
+              <a:buFont typeface="Wingdings" pitchFamily="2" charset="2"/>
+              <a:buChar char="§"/>
+            </a:pPr>
+            <a:r>
+              <a:rPr lang="es-ES_tradnl" sz="1200" b="1" dirty="0" err="1">
+                <a:solidFill>
+                  <a:schemeClr val="accent6">
+                    <a:lumMod val="20000"/>
+                    <a:lumOff val="80000"/>
+                  </a:schemeClr>
+                </a:solidFill>
+                <a:latin typeface="Arial" panose="020B0604020202020204" pitchFamily="34" charset="0"/>
+                <a:cs typeface="Arial" panose="020B0604020202020204" pitchFamily="34" charset="0"/>
+              </a:rPr>
+              <a:t>PyCon</a:t>
+            </a:r>
+            <a:r>
+              <a:rPr lang="es-ES_tradnl" sz="1200" dirty="0">
+                <a:solidFill>
+                  <a:schemeClr val="accent6">
+                    <a:lumMod val="20000"/>
+                    <a:lumOff val="80000"/>
+                  </a:schemeClr>
+                </a:solidFill>
+                <a:latin typeface="Arial" panose="020B0604020202020204" pitchFamily="34" charset="0"/>
+                <a:cs typeface="Arial" panose="020B0604020202020204" pitchFamily="34" charset="0"/>
+              </a:rPr>
+              <a:t>: </a:t>
+            </a:r>
+          </a:p>
+          <a:p>
+            <a:pPr lvl="1">
+              <a:buFont typeface="Wingdings" pitchFamily="2" charset="2"/>
+              <a:buChar char="§"/>
+            </a:pPr>
+            <a:r>
+              <a:rPr lang="es-ES_tradnl" sz="1200" dirty="0">
+                <a:solidFill>
+                  <a:schemeClr val="accent6">
+                    <a:lumMod val="20000"/>
+                    <a:lumOff val="80000"/>
+                  </a:schemeClr>
+                </a:solidFill>
+                <a:latin typeface="Arial" panose="020B0604020202020204" pitchFamily="34" charset="0"/>
+                <a:cs typeface="Arial" panose="020B0604020202020204" pitchFamily="34" charset="0"/>
+              </a:rPr>
+              <a:t>Colombia (2020), Argentina (2020), Chile (2021), </a:t>
+            </a:r>
+            <a:r>
+              <a:rPr lang="es-ES_tradnl" sz="1200" dirty="0" err="1">
+                <a:solidFill>
+                  <a:schemeClr val="accent6">
+                    <a:lumMod val="20000"/>
+                    <a:lumOff val="80000"/>
+                  </a:schemeClr>
+                </a:solidFill>
+                <a:latin typeface="Arial" panose="020B0604020202020204" pitchFamily="34" charset="0"/>
+                <a:cs typeface="Arial" panose="020B0604020202020204" pitchFamily="34" charset="0"/>
+              </a:rPr>
+              <a:t>Latam</a:t>
+            </a:r>
+            <a:r>
+              <a:rPr lang="es-ES_tradnl" sz="1200" dirty="0">
+                <a:solidFill>
+                  <a:schemeClr val="accent6">
+                    <a:lumMod val="20000"/>
+                    <a:lumOff val="80000"/>
+                  </a:schemeClr>
+                </a:solidFill>
+                <a:latin typeface="Arial" panose="020B0604020202020204" pitchFamily="34" charset="0"/>
+                <a:cs typeface="Arial" panose="020B0604020202020204" pitchFamily="34" charset="0"/>
+              </a:rPr>
+              <a:t> (2022), Chile (2023), US (2024)</a:t>
+            </a:r>
+          </a:p>
+          <a:p>
+            <a:pPr>
+              <a:buFont typeface="Wingdings" pitchFamily="2" charset="2"/>
+              <a:buChar char="§"/>
+            </a:pPr>
+            <a:r>
+              <a:rPr lang="es-ES_tradnl" sz="1200" dirty="0" err="1">
+                <a:solidFill>
+                  <a:schemeClr val="accent6">
+                    <a:lumMod val="20000"/>
+                    <a:lumOff val="80000"/>
+                  </a:schemeClr>
+                </a:solidFill>
+                <a:latin typeface="Arial" panose="020B0604020202020204" pitchFamily="34" charset="0"/>
+                <a:cs typeface="Arial" panose="020B0604020202020204" pitchFamily="34" charset="0"/>
+              </a:rPr>
+              <a:t>Nerdearla</a:t>
+            </a:r>
+            <a:r>
+              <a:rPr lang="es-ES_tradnl" sz="1200" dirty="0">
+                <a:solidFill>
+                  <a:schemeClr val="accent6">
+                    <a:lumMod val="20000"/>
+                    <a:lumOff val="80000"/>
+                  </a:schemeClr>
+                </a:solidFill>
+                <a:latin typeface="Arial" panose="020B0604020202020204" pitchFamily="34" charset="0"/>
+                <a:cs typeface="Arial" panose="020B0604020202020204" pitchFamily="34" charset="0"/>
+              </a:rPr>
+              <a:t>, Argentina (2024)</a:t>
+            </a:r>
+          </a:p>
+          <a:p>
+            <a:pPr marL="0" indent="0">
+              <a:buNone/>
+            </a:pPr>
+            <a:endParaRPr lang="es-ES_tradnl" sz="1200" dirty="0"/>
+          </a:p>
+          <a:p>
+            <a:pPr marL="0" indent="0">
+              <a:buNone/>
+            </a:pPr>
+            <a:r>
+              <a:rPr lang="es-ES_tradnl" sz="1200" b="1" dirty="0" err="1">
+                <a:solidFill>
+                  <a:schemeClr val="accent4">
+                    <a:lumMod val="20000"/>
+                    <a:lumOff val="80000"/>
+                  </a:schemeClr>
+                </a:solidFill>
+                <a:latin typeface="Kohinoor Bangla" panose="02000000000000000000" pitchFamily="2" charset="77"/>
+                <a:cs typeface="Kohinoor Bangla" panose="02000000000000000000" pitchFamily="2" charset="77"/>
+              </a:rPr>
+              <a:t>Education</a:t>
+            </a:r>
+            <a:endParaRPr lang="es-ES_tradnl" sz="1200" b="1" dirty="0">
+              <a:solidFill>
+                <a:schemeClr val="accent4">
+                  <a:lumMod val="20000"/>
+                  <a:lumOff val="80000"/>
+                </a:schemeClr>
+              </a:solidFill>
+              <a:latin typeface="Kohinoor Bangla" panose="02000000000000000000" pitchFamily="2" charset="77"/>
+              <a:cs typeface="Kohinoor Bangla" panose="02000000000000000000" pitchFamily="2" charset="77"/>
+            </a:endParaRPr>
+          </a:p>
+          <a:p>
+            <a:r>
+              <a:rPr lang="es-ES_tradnl" sz="1200" dirty="0">
+                <a:solidFill>
+                  <a:schemeClr val="accent4">
+                    <a:lumMod val="20000"/>
+                    <a:lumOff val="80000"/>
+                  </a:schemeClr>
+                </a:solidFill>
+                <a:latin typeface="Kohinoor Bangla" panose="02000000000000000000" pitchFamily="2" charset="77"/>
+                <a:cs typeface="Kohinoor Bangla" panose="02000000000000000000" pitchFamily="2" charset="77"/>
+              </a:rPr>
+              <a:t>Stanford </a:t>
+            </a:r>
+            <a:r>
+              <a:rPr lang="es-ES_tradnl" sz="1200" dirty="0" err="1">
+                <a:solidFill>
+                  <a:schemeClr val="accent4">
+                    <a:lumMod val="20000"/>
+                    <a:lumOff val="80000"/>
+                  </a:schemeClr>
+                </a:solidFill>
+                <a:latin typeface="Kohinoor Bangla" panose="02000000000000000000" pitchFamily="2" charset="77"/>
+                <a:cs typeface="Kohinoor Bangla" panose="02000000000000000000" pitchFamily="2" charset="77"/>
+              </a:rPr>
+              <a:t>University</a:t>
+            </a:r>
+            <a:endParaRPr lang="es-ES_tradnl" sz="1200" dirty="0">
+              <a:solidFill>
+                <a:schemeClr val="accent4">
+                  <a:lumMod val="20000"/>
+                  <a:lumOff val="80000"/>
+                </a:schemeClr>
+              </a:solidFill>
+              <a:latin typeface="Kohinoor Bangla" panose="02000000000000000000" pitchFamily="2" charset="77"/>
+              <a:cs typeface="Kohinoor Bangla" panose="02000000000000000000" pitchFamily="2" charset="77"/>
+            </a:endParaRPr>
+          </a:p>
+          <a:p>
+            <a:pPr lvl="1"/>
+            <a:r>
+              <a:rPr lang="es-ES_tradnl" sz="1200" dirty="0">
+                <a:solidFill>
+                  <a:schemeClr val="accent4">
+                    <a:lumMod val="20000"/>
+                    <a:lumOff val="80000"/>
+                  </a:schemeClr>
+                </a:solidFill>
+                <a:latin typeface="Kohinoor Bangla" panose="02000000000000000000" pitchFamily="2" charset="77"/>
+                <a:cs typeface="Kohinoor Bangla" panose="02000000000000000000" pitchFamily="2" charset="77"/>
+              </a:rPr>
+              <a:t>Master </a:t>
+            </a:r>
+            <a:r>
+              <a:rPr lang="es-ES_tradnl" sz="1200" dirty="0" err="1">
+                <a:solidFill>
+                  <a:schemeClr val="accent4">
+                    <a:lumMod val="20000"/>
+                    <a:lumOff val="80000"/>
+                  </a:schemeClr>
+                </a:solidFill>
+                <a:latin typeface="Kohinoor Bangla" panose="02000000000000000000" pitchFamily="2" charset="77"/>
+                <a:cs typeface="Kohinoor Bangla" panose="02000000000000000000" pitchFamily="2" charset="77"/>
+              </a:rPr>
+              <a:t>of</a:t>
+            </a:r>
+            <a:r>
+              <a:rPr lang="es-ES_tradnl" sz="1200" dirty="0">
+                <a:solidFill>
+                  <a:schemeClr val="accent4">
+                    <a:lumMod val="20000"/>
+                    <a:lumOff val="80000"/>
+                  </a:schemeClr>
+                </a:solidFill>
+                <a:latin typeface="Kohinoor Bangla" panose="02000000000000000000" pitchFamily="2" charset="77"/>
+                <a:cs typeface="Kohinoor Bangla" panose="02000000000000000000" pitchFamily="2" charset="77"/>
+              </a:rPr>
               <a:t> </a:t>
             </a:r>
             <a:r>
-              <a:rPr lang="es-ES_tradnl" dirty="0" err="1"/>
-              <a:t>the</a:t>
-            </a:r>
-            <a:r>
-              <a:rPr lang="es-ES_tradnl" dirty="0"/>
+              <a:rPr lang="es-ES_tradnl" sz="1200" dirty="0" err="1">
+                <a:solidFill>
+                  <a:schemeClr val="accent4">
+                    <a:lumMod val="20000"/>
+                    <a:lumOff val="80000"/>
+                  </a:schemeClr>
+                </a:solidFill>
+                <a:latin typeface="Kohinoor Bangla" panose="02000000000000000000" pitchFamily="2" charset="77"/>
+                <a:cs typeface="Kohinoor Bangla" panose="02000000000000000000" pitchFamily="2" charset="77"/>
+              </a:rPr>
+              <a:t>Science</a:t>
+            </a:r>
+            <a:r>
+              <a:rPr lang="es-ES_tradnl" sz="1200" dirty="0">
+                <a:solidFill>
+                  <a:schemeClr val="accent4">
+                    <a:lumMod val="20000"/>
+                    <a:lumOff val="80000"/>
+                  </a:schemeClr>
+                </a:solidFill>
+                <a:latin typeface="Kohinoor Bangla" panose="02000000000000000000" pitchFamily="2" charset="77"/>
+                <a:cs typeface="Kohinoor Bangla" panose="02000000000000000000" pitchFamily="2" charset="77"/>
+              </a:rPr>
+              <a:t> (</a:t>
+            </a:r>
+            <a:r>
+              <a:rPr lang="es-ES_tradnl" sz="1200" dirty="0" err="1">
+                <a:solidFill>
+                  <a:schemeClr val="accent4">
+                    <a:lumMod val="20000"/>
+                    <a:lumOff val="80000"/>
+                  </a:schemeClr>
+                </a:solidFill>
+                <a:latin typeface="Kohinoor Bangla" panose="02000000000000000000" pitchFamily="2" charset="77"/>
+                <a:cs typeface="Kohinoor Bangla" panose="02000000000000000000" pitchFamily="2" charset="77"/>
+              </a:rPr>
+              <a:t>MSc</a:t>
+            </a:r>
+            <a:r>
+              <a:rPr lang="es-ES_tradnl" sz="1200" dirty="0">
+                <a:solidFill>
+                  <a:schemeClr val="accent4">
+                    <a:lumMod val="20000"/>
+                    <a:lumOff val="80000"/>
+                  </a:schemeClr>
+                </a:solidFill>
+                <a:latin typeface="Kohinoor Bangla" panose="02000000000000000000" pitchFamily="2" charset="77"/>
+                <a:cs typeface="Kohinoor Bangla" panose="02000000000000000000" pitchFamily="2" charset="77"/>
+              </a:rPr>
+              <a:t>), </a:t>
+            </a:r>
+            <a:r>
+              <a:rPr lang="es-ES_tradnl" sz="1200" dirty="0" err="1">
+                <a:solidFill>
+                  <a:schemeClr val="accent4">
+                    <a:lumMod val="20000"/>
+                    <a:lumOff val="80000"/>
+                  </a:schemeClr>
+                </a:solidFill>
+                <a:latin typeface="Kohinoor Bangla" panose="02000000000000000000" pitchFamily="2" charset="77"/>
+                <a:cs typeface="Kohinoor Bangla" panose="02000000000000000000" pitchFamily="2" charset="77"/>
+              </a:rPr>
+              <a:t>Computational</a:t>
+            </a:r>
+            <a:r>
+              <a:rPr lang="es-ES_tradnl" sz="1200" dirty="0">
+                <a:solidFill>
+                  <a:schemeClr val="accent4">
+                    <a:lumMod val="20000"/>
+                    <a:lumOff val="80000"/>
+                  </a:schemeClr>
+                </a:solidFill>
+                <a:latin typeface="Kohinoor Bangla" panose="02000000000000000000" pitchFamily="2" charset="77"/>
+                <a:cs typeface="Kohinoor Bangla" panose="02000000000000000000" pitchFamily="2" charset="77"/>
+              </a:rPr>
+              <a:t> and </a:t>
+            </a:r>
+            <a:r>
+              <a:rPr lang="es-ES_tradnl" sz="1200" dirty="0" err="1">
+                <a:solidFill>
+                  <a:schemeClr val="accent4">
+                    <a:lumMod val="20000"/>
+                    <a:lumOff val="80000"/>
+                  </a:schemeClr>
+                </a:solidFill>
+                <a:latin typeface="Kohinoor Bangla" panose="02000000000000000000" pitchFamily="2" charset="77"/>
+                <a:cs typeface="Kohinoor Bangla" panose="02000000000000000000" pitchFamily="2" charset="77"/>
+              </a:rPr>
+              <a:t>Mathematical</a:t>
+            </a:r>
+            <a:r>
+              <a:rPr lang="es-ES_tradnl" sz="1200" dirty="0">
+                <a:solidFill>
+                  <a:schemeClr val="accent4">
+                    <a:lumMod val="20000"/>
+                    <a:lumOff val="80000"/>
+                  </a:schemeClr>
+                </a:solidFill>
+                <a:latin typeface="Kohinoor Bangla" panose="02000000000000000000" pitchFamily="2" charset="77"/>
+                <a:cs typeface="Kohinoor Bangla" panose="02000000000000000000" pitchFamily="2" charset="77"/>
+              </a:rPr>
               <a:t> </a:t>
             </a:r>
             <a:r>
-              <a:rPr lang="es-ES_tradnl" dirty="0" err="1"/>
-              <a:t>content</a:t>
-            </a:r>
-            <a:endParaRPr lang="es-ES_tradnl" dirty="0"/>
-          </a:p>
-        </p:txBody>
-      </p:sp>
+              <a:rPr lang="es-ES_tradnl" sz="1200" dirty="0" err="1">
+                <a:solidFill>
+                  <a:schemeClr val="accent4">
+                    <a:lumMod val="20000"/>
+                    <a:lumOff val="80000"/>
+                  </a:schemeClr>
+                </a:solidFill>
+                <a:latin typeface="Kohinoor Bangla" panose="02000000000000000000" pitchFamily="2" charset="77"/>
+                <a:cs typeface="Kohinoor Bangla" panose="02000000000000000000" pitchFamily="2" charset="77"/>
+              </a:rPr>
+              <a:t>Engineering</a:t>
+            </a:r>
+            <a:endParaRPr lang="es-ES_tradnl" sz="1200" dirty="0">
+              <a:solidFill>
+                <a:schemeClr val="accent4">
+                  <a:lumMod val="20000"/>
+                  <a:lumOff val="80000"/>
+                </a:schemeClr>
+              </a:solidFill>
+              <a:latin typeface="Kohinoor Bangla" panose="02000000000000000000" pitchFamily="2" charset="77"/>
+              <a:cs typeface="Kohinoor Bangla" panose="02000000000000000000" pitchFamily="2" charset="77"/>
+            </a:endParaRPr>
+          </a:p>
+          <a:p>
+            <a:pPr lvl="1"/>
+            <a:r>
+              <a:rPr lang="es-ES_tradnl" sz="1200" dirty="0">
+                <a:solidFill>
+                  <a:schemeClr val="accent4">
+                    <a:lumMod val="20000"/>
+                    <a:lumOff val="80000"/>
+                  </a:schemeClr>
+                </a:solidFill>
+                <a:latin typeface="Kohinoor Bangla" panose="02000000000000000000" pitchFamily="2" charset="77"/>
+                <a:cs typeface="Kohinoor Bangla" panose="02000000000000000000" pitchFamily="2" charset="77"/>
+              </a:rPr>
+              <a:t>2010 – 2012</a:t>
+            </a:r>
+          </a:p>
+          <a:p>
+            <a:r>
+              <a:rPr lang="es-ES_tradnl" sz="1200" dirty="0" err="1">
+                <a:solidFill>
+                  <a:schemeClr val="accent4">
+                    <a:lumMod val="20000"/>
+                    <a:lumOff val="80000"/>
+                  </a:schemeClr>
+                </a:solidFill>
+                <a:latin typeface="Kohinoor Bangla" panose="02000000000000000000" pitchFamily="2" charset="77"/>
+                <a:cs typeface="Kohinoor Bangla" panose="02000000000000000000" pitchFamily="2" charset="77"/>
+              </a:rPr>
+              <a:t>École</a:t>
+            </a:r>
+            <a:r>
+              <a:rPr lang="es-ES_tradnl" sz="1200" dirty="0">
+                <a:solidFill>
+                  <a:schemeClr val="accent4">
+                    <a:lumMod val="20000"/>
+                    <a:lumOff val="80000"/>
+                  </a:schemeClr>
+                </a:solidFill>
+                <a:latin typeface="Kohinoor Bangla" panose="02000000000000000000" pitchFamily="2" charset="77"/>
+                <a:cs typeface="Kohinoor Bangla" panose="02000000000000000000" pitchFamily="2" charset="77"/>
+              </a:rPr>
+              <a:t> </a:t>
+            </a:r>
+            <a:r>
+              <a:rPr lang="es-ES_tradnl" sz="1200" dirty="0" err="1">
+                <a:solidFill>
+                  <a:schemeClr val="accent4">
+                    <a:lumMod val="20000"/>
+                    <a:lumOff val="80000"/>
+                  </a:schemeClr>
+                </a:solidFill>
+                <a:latin typeface="Kohinoor Bangla" panose="02000000000000000000" pitchFamily="2" charset="77"/>
+                <a:cs typeface="Kohinoor Bangla" panose="02000000000000000000" pitchFamily="2" charset="77"/>
+              </a:rPr>
+              <a:t>Polytechnique</a:t>
+            </a:r>
+            <a:endParaRPr lang="es-ES_tradnl" sz="1200" dirty="0">
+              <a:solidFill>
+                <a:schemeClr val="accent4">
+                  <a:lumMod val="20000"/>
+                  <a:lumOff val="80000"/>
+                </a:schemeClr>
+              </a:solidFill>
+              <a:latin typeface="Kohinoor Bangla" panose="02000000000000000000" pitchFamily="2" charset="77"/>
+              <a:cs typeface="Kohinoor Bangla" panose="02000000000000000000" pitchFamily="2" charset="77"/>
+            </a:endParaRPr>
+          </a:p>
+          <a:p>
+            <a:pPr lvl="1"/>
+            <a:r>
+              <a:rPr lang="es-ES_tradnl" sz="1200" dirty="0" err="1">
+                <a:solidFill>
+                  <a:schemeClr val="accent4">
+                    <a:lumMod val="20000"/>
+                    <a:lumOff val="80000"/>
+                  </a:schemeClr>
+                </a:solidFill>
+                <a:latin typeface="Kohinoor Bangla" panose="02000000000000000000" pitchFamily="2" charset="77"/>
+                <a:cs typeface="Kohinoor Bangla" panose="02000000000000000000" pitchFamily="2" charset="77"/>
+              </a:rPr>
+              <a:t>Ingénieur</a:t>
+            </a:r>
+            <a:r>
+              <a:rPr lang="es-ES_tradnl" sz="1200" dirty="0">
+                <a:solidFill>
+                  <a:schemeClr val="accent4">
+                    <a:lumMod val="20000"/>
+                    <a:lumOff val="80000"/>
+                  </a:schemeClr>
+                </a:solidFill>
+                <a:latin typeface="Kohinoor Bangla" panose="02000000000000000000" pitchFamily="2" charset="77"/>
+                <a:cs typeface="Kohinoor Bangla" panose="02000000000000000000" pitchFamily="2" charset="77"/>
+              </a:rPr>
+              <a:t> </a:t>
+            </a:r>
+            <a:r>
+              <a:rPr lang="es-ES_tradnl" sz="1200" dirty="0" err="1">
+                <a:solidFill>
+                  <a:schemeClr val="accent4">
+                    <a:lumMod val="20000"/>
+                    <a:lumOff val="80000"/>
+                  </a:schemeClr>
+                </a:solidFill>
+                <a:latin typeface="Kohinoor Bangla" panose="02000000000000000000" pitchFamily="2" charset="77"/>
+                <a:cs typeface="Kohinoor Bangla" panose="02000000000000000000" pitchFamily="2" charset="77"/>
+              </a:rPr>
+              <a:t>diplômé</a:t>
+            </a:r>
+            <a:r>
+              <a:rPr lang="es-ES_tradnl" sz="1200" dirty="0">
+                <a:solidFill>
+                  <a:schemeClr val="accent4">
+                    <a:lumMod val="20000"/>
+                    <a:lumOff val="80000"/>
+                  </a:schemeClr>
+                </a:solidFill>
+                <a:latin typeface="Kohinoor Bangla" panose="02000000000000000000" pitchFamily="2" charset="77"/>
+                <a:cs typeface="Kohinoor Bangla" panose="02000000000000000000" pitchFamily="2" charset="77"/>
+              </a:rPr>
+              <a:t> de </a:t>
+            </a:r>
+            <a:r>
+              <a:rPr lang="es-ES_tradnl" sz="1200" dirty="0" err="1">
+                <a:solidFill>
+                  <a:schemeClr val="accent4">
+                    <a:lumMod val="20000"/>
+                    <a:lumOff val="80000"/>
+                  </a:schemeClr>
+                </a:solidFill>
+                <a:latin typeface="Kohinoor Bangla" panose="02000000000000000000" pitchFamily="2" charset="77"/>
+                <a:cs typeface="Kohinoor Bangla" panose="02000000000000000000" pitchFamily="2" charset="77"/>
+              </a:rPr>
+              <a:t>l'Ecole</a:t>
+            </a:r>
+            <a:r>
+              <a:rPr lang="es-ES_tradnl" sz="1200" dirty="0">
+                <a:solidFill>
+                  <a:schemeClr val="accent4">
+                    <a:lumMod val="20000"/>
+                    <a:lumOff val="80000"/>
+                  </a:schemeClr>
+                </a:solidFill>
+                <a:latin typeface="Kohinoor Bangla" panose="02000000000000000000" pitchFamily="2" charset="77"/>
+                <a:cs typeface="Kohinoor Bangla" panose="02000000000000000000" pitchFamily="2" charset="77"/>
+              </a:rPr>
+              <a:t> </a:t>
+            </a:r>
+            <a:r>
+              <a:rPr lang="es-ES_tradnl" sz="1200" dirty="0" err="1">
+                <a:solidFill>
+                  <a:schemeClr val="accent4">
+                    <a:lumMod val="20000"/>
+                    <a:lumOff val="80000"/>
+                  </a:schemeClr>
+                </a:solidFill>
+                <a:latin typeface="Kohinoor Bangla" panose="02000000000000000000" pitchFamily="2" charset="77"/>
+                <a:cs typeface="Kohinoor Bangla" panose="02000000000000000000" pitchFamily="2" charset="77"/>
+              </a:rPr>
+              <a:t>Polytechnique</a:t>
+            </a:r>
+            <a:r>
+              <a:rPr lang="es-ES_tradnl" sz="1200" dirty="0">
+                <a:solidFill>
+                  <a:schemeClr val="accent4">
+                    <a:lumMod val="20000"/>
+                    <a:lumOff val="80000"/>
+                  </a:schemeClr>
+                </a:solidFill>
+                <a:latin typeface="Kohinoor Bangla" panose="02000000000000000000" pitchFamily="2" charset="77"/>
+                <a:cs typeface="Kohinoor Bangla" panose="02000000000000000000" pitchFamily="2" charset="77"/>
+              </a:rPr>
+              <a:t> (</a:t>
+            </a:r>
+            <a:r>
+              <a:rPr lang="es-ES_tradnl" sz="1200" dirty="0" err="1">
+                <a:solidFill>
+                  <a:schemeClr val="accent4">
+                    <a:lumMod val="20000"/>
+                    <a:lumOff val="80000"/>
+                  </a:schemeClr>
+                </a:solidFill>
+                <a:latin typeface="Kohinoor Bangla" panose="02000000000000000000" pitchFamily="2" charset="77"/>
+                <a:cs typeface="Kohinoor Bangla" panose="02000000000000000000" pitchFamily="2" charset="77"/>
+              </a:rPr>
+              <a:t>MSc</a:t>
+            </a:r>
+            <a:r>
+              <a:rPr lang="es-ES_tradnl" sz="1200" dirty="0">
+                <a:solidFill>
+                  <a:schemeClr val="accent4">
+                    <a:lumMod val="20000"/>
+                    <a:lumOff val="80000"/>
+                  </a:schemeClr>
+                </a:solidFill>
+                <a:latin typeface="Kohinoor Bangla" panose="02000000000000000000" pitchFamily="2" charset="77"/>
+                <a:cs typeface="Kohinoor Bangla" panose="02000000000000000000" pitchFamily="2" charset="77"/>
+              </a:rPr>
+              <a:t>.), </a:t>
+            </a:r>
+            <a:r>
+              <a:rPr lang="es-ES_tradnl" sz="1200" dirty="0" err="1">
+                <a:solidFill>
+                  <a:schemeClr val="accent4">
+                    <a:lumMod val="20000"/>
+                    <a:lumOff val="80000"/>
+                  </a:schemeClr>
+                </a:solidFill>
+                <a:latin typeface="Kohinoor Bangla" panose="02000000000000000000" pitchFamily="2" charset="77"/>
+                <a:cs typeface="Kohinoor Bangla" panose="02000000000000000000" pitchFamily="2" charset="77"/>
+              </a:rPr>
+              <a:t>Mechanics</a:t>
+            </a:r>
+            <a:r>
+              <a:rPr lang="es-ES_tradnl" sz="1200" dirty="0">
+                <a:solidFill>
+                  <a:schemeClr val="accent4">
+                    <a:lumMod val="20000"/>
+                    <a:lumOff val="80000"/>
+                  </a:schemeClr>
+                </a:solidFill>
+                <a:latin typeface="Kohinoor Bangla" panose="02000000000000000000" pitchFamily="2" charset="77"/>
+                <a:cs typeface="Kohinoor Bangla" panose="02000000000000000000" pitchFamily="2" charset="77"/>
+              </a:rPr>
+              <a:t> and </a:t>
+            </a:r>
+            <a:r>
+              <a:rPr lang="es-ES_tradnl" sz="1200" dirty="0" err="1">
+                <a:solidFill>
+                  <a:schemeClr val="accent4">
+                    <a:lumMod val="20000"/>
+                    <a:lumOff val="80000"/>
+                  </a:schemeClr>
+                </a:solidFill>
+                <a:latin typeface="Kohinoor Bangla" panose="02000000000000000000" pitchFamily="2" charset="77"/>
+                <a:cs typeface="Kohinoor Bangla" panose="02000000000000000000" pitchFamily="2" charset="77"/>
+              </a:rPr>
+              <a:t>Applied</a:t>
+            </a:r>
+            <a:r>
+              <a:rPr lang="es-ES_tradnl" sz="1200" dirty="0">
+                <a:solidFill>
+                  <a:schemeClr val="accent4">
+                    <a:lumMod val="20000"/>
+                    <a:lumOff val="80000"/>
+                  </a:schemeClr>
+                </a:solidFill>
+                <a:latin typeface="Kohinoor Bangla" panose="02000000000000000000" pitchFamily="2" charset="77"/>
+                <a:cs typeface="Kohinoor Bangla" panose="02000000000000000000" pitchFamily="2" charset="77"/>
+              </a:rPr>
+              <a:t> </a:t>
+            </a:r>
+            <a:r>
+              <a:rPr lang="es-ES_tradnl" sz="1200" dirty="0" err="1">
+                <a:solidFill>
+                  <a:schemeClr val="accent4">
+                    <a:lumMod val="20000"/>
+                    <a:lumOff val="80000"/>
+                  </a:schemeClr>
+                </a:solidFill>
+                <a:latin typeface="Kohinoor Bangla" panose="02000000000000000000" pitchFamily="2" charset="77"/>
+                <a:cs typeface="Kohinoor Bangla" panose="02000000000000000000" pitchFamily="2" charset="77"/>
+              </a:rPr>
+              <a:t>Mathematics</a:t>
+            </a:r>
+            <a:endParaRPr lang="es-ES_tradnl" sz="1200" dirty="0">
+              <a:solidFill>
+                <a:schemeClr val="accent4">
+                  <a:lumMod val="20000"/>
+                  <a:lumOff val="80000"/>
+                </a:schemeClr>
+              </a:solidFill>
+              <a:latin typeface="Kohinoor Bangla" panose="02000000000000000000" pitchFamily="2" charset="77"/>
+              <a:cs typeface="Kohinoor Bangla" panose="02000000000000000000" pitchFamily="2" charset="77"/>
+            </a:endParaRPr>
+          </a:p>
+          <a:p>
+            <a:pPr lvl="1"/>
+            <a:r>
+              <a:rPr lang="es-ES_tradnl" sz="1200" dirty="0">
+                <a:solidFill>
+                  <a:schemeClr val="accent4">
+                    <a:lumMod val="20000"/>
+                    <a:lumOff val="80000"/>
+                  </a:schemeClr>
+                </a:solidFill>
+                <a:latin typeface="Kohinoor Bangla" panose="02000000000000000000" pitchFamily="2" charset="77"/>
+                <a:cs typeface="Kohinoor Bangla" panose="02000000000000000000" pitchFamily="2" charset="77"/>
+              </a:rPr>
+              <a:t>2005 - 2007</a:t>
+            </a:r>
+          </a:p>
+          <a:p>
+            <a:r>
+              <a:rPr lang="es-ES_tradnl" sz="1200" dirty="0">
+                <a:solidFill>
+                  <a:schemeClr val="accent4">
+                    <a:lumMod val="20000"/>
+                    <a:lumOff val="80000"/>
+                  </a:schemeClr>
+                </a:solidFill>
+                <a:latin typeface="Kohinoor Bangla" panose="02000000000000000000" pitchFamily="2" charset="77"/>
+                <a:cs typeface="Kohinoor Bangla" panose="02000000000000000000" pitchFamily="2" charset="77"/>
+              </a:rPr>
+              <a:t>Universidad Técnica Federico Santa María</a:t>
+            </a:r>
+          </a:p>
+          <a:p>
+            <a:pPr lvl="1"/>
+            <a:r>
+              <a:rPr lang="es-ES_tradnl" sz="1200" dirty="0" err="1">
+                <a:solidFill>
+                  <a:schemeClr val="accent4">
+                    <a:lumMod val="20000"/>
+                    <a:lumOff val="80000"/>
+                  </a:schemeClr>
+                </a:solidFill>
+                <a:latin typeface="Kohinoor Bangla" panose="02000000000000000000" pitchFamily="2" charset="77"/>
+                <a:cs typeface="Kohinoor Bangla" panose="02000000000000000000" pitchFamily="2" charset="77"/>
+              </a:rPr>
+              <a:t>Bachelor</a:t>
+            </a:r>
+            <a:r>
+              <a:rPr lang="es-ES_tradnl" sz="1200" dirty="0">
+                <a:solidFill>
+                  <a:schemeClr val="accent4">
+                    <a:lumMod val="20000"/>
+                    <a:lumOff val="80000"/>
+                  </a:schemeClr>
+                </a:solidFill>
+                <a:latin typeface="Kohinoor Bangla" panose="02000000000000000000" pitchFamily="2" charset="77"/>
+                <a:cs typeface="Kohinoor Bangla" panose="02000000000000000000" pitchFamily="2" charset="77"/>
+              </a:rPr>
+              <a:t> </a:t>
+            </a:r>
+            <a:r>
+              <a:rPr lang="es-ES_tradnl" sz="1200" dirty="0" err="1">
+                <a:solidFill>
+                  <a:schemeClr val="accent4">
+                    <a:lumMod val="20000"/>
+                    <a:lumOff val="80000"/>
+                  </a:schemeClr>
+                </a:solidFill>
+                <a:latin typeface="Kohinoor Bangla" panose="02000000000000000000" pitchFamily="2" charset="77"/>
+                <a:cs typeface="Kohinoor Bangla" panose="02000000000000000000" pitchFamily="2" charset="77"/>
+              </a:rPr>
+              <a:t>of</a:t>
+            </a:r>
+            <a:r>
+              <a:rPr lang="es-ES_tradnl" sz="1200" dirty="0">
+                <a:solidFill>
+                  <a:schemeClr val="accent4">
+                    <a:lumMod val="20000"/>
+                    <a:lumOff val="80000"/>
+                  </a:schemeClr>
+                </a:solidFill>
+                <a:latin typeface="Kohinoor Bangla" panose="02000000000000000000" pitchFamily="2" charset="77"/>
+                <a:cs typeface="Kohinoor Bangla" panose="02000000000000000000" pitchFamily="2" charset="77"/>
+              </a:rPr>
+              <a:t> </a:t>
+            </a:r>
+            <a:r>
+              <a:rPr lang="es-ES_tradnl" sz="1200" dirty="0" err="1">
+                <a:solidFill>
+                  <a:schemeClr val="accent4">
+                    <a:lumMod val="20000"/>
+                    <a:lumOff val="80000"/>
+                  </a:schemeClr>
+                </a:solidFill>
+                <a:latin typeface="Kohinoor Bangla" panose="02000000000000000000" pitchFamily="2" charset="77"/>
+                <a:cs typeface="Kohinoor Bangla" panose="02000000000000000000" pitchFamily="2" charset="77"/>
+              </a:rPr>
+              <a:t>Science</a:t>
+            </a:r>
+            <a:r>
+              <a:rPr lang="es-ES_tradnl" sz="1200" dirty="0">
+                <a:solidFill>
+                  <a:schemeClr val="accent4">
+                    <a:lumMod val="20000"/>
+                    <a:lumOff val="80000"/>
+                  </a:schemeClr>
+                </a:solidFill>
+                <a:latin typeface="Kohinoor Bangla" panose="02000000000000000000" pitchFamily="2" charset="77"/>
+                <a:cs typeface="Kohinoor Bangla" panose="02000000000000000000" pitchFamily="2" charset="77"/>
+              </a:rPr>
+              <a:t> (</a:t>
+            </a:r>
+            <a:r>
+              <a:rPr lang="es-ES_tradnl" sz="1200" dirty="0" err="1">
+                <a:solidFill>
+                  <a:schemeClr val="accent4">
+                    <a:lumMod val="20000"/>
+                    <a:lumOff val="80000"/>
+                  </a:schemeClr>
+                </a:solidFill>
+                <a:latin typeface="Kohinoor Bangla" panose="02000000000000000000" pitchFamily="2" charset="77"/>
+                <a:cs typeface="Kohinoor Bangla" panose="02000000000000000000" pitchFamily="2" charset="77"/>
+              </a:rPr>
+              <a:t>BSc</a:t>
+            </a:r>
+            <a:r>
+              <a:rPr lang="es-ES_tradnl" sz="1200" dirty="0">
+                <a:solidFill>
+                  <a:schemeClr val="accent4">
+                    <a:lumMod val="20000"/>
+                    <a:lumOff val="80000"/>
+                  </a:schemeClr>
+                </a:solidFill>
+                <a:latin typeface="Kohinoor Bangla" panose="02000000000000000000" pitchFamily="2" charset="77"/>
+                <a:cs typeface="Kohinoor Bangla" panose="02000000000000000000" pitchFamily="2" charset="77"/>
+              </a:rPr>
+              <a:t>), </a:t>
+            </a:r>
+            <a:r>
+              <a:rPr lang="es-ES_tradnl" sz="1200" dirty="0" err="1">
+                <a:solidFill>
+                  <a:schemeClr val="accent4">
+                    <a:lumMod val="20000"/>
+                    <a:lumOff val="80000"/>
+                  </a:schemeClr>
+                </a:solidFill>
+                <a:latin typeface="Kohinoor Bangla" panose="02000000000000000000" pitchFamily="2" charset="77"/>
+                <a:cs typeface="Kohinoor Bangla" panose="02000000000000000000" pitchFamily="2" charset="77"/>
+              </a:rPr>
+              <a:t>Mathematical</a:t>
+            </a:r>
+            <a:r>
+              <a:rPr lang="es-ES_tradnl" sz="1200" dirty="0">
+                <a:solidFill>
+                  <a:schemeClr val="accent4">
+                    <a:lumMod val="20000"/>
+                    <a:lumOff val="80000"/>
+                  </a:schemeClr>
+                </a:solidFill>
+                <a:latin typeface="Kohinoor Bangla" panose="02000000000000000000" pitchFamily="2" charset="77"/>
+                <a:cs typeface="Kohinoor Bangla" panose="02000000000000000000" pitchFamily="2" charset="77"/>
+              </a:rPr>
+              <a:t> </a:t>
+            </a:r>
+            <a:r>
+              <a:rPr lang="es-ES_tradnl" sz="1200" dirty="0" err="1">
+                <a:solidFill>
+                  <a:schemeClr val="accent4">
+                    <a:lumMod val="20000"/>
+                    <a:lumOff val="80000"/>
+                  </a:schemeClr>
+                </a:solidFill>
+                <a:latin typeface="Kohinoor Bangla" panose="02000000000000000000" pitchFamily="2" charset="77"/>
+                <a:cs typeface="Kohinoor Bangla" panose="02000000000000000000" pitchFamily="2" charset="77"/>
+              </a:rPr>
+              <a:t>Engineering</a:t>
+            </a:r>
+            <a:endParaRPr lang="es-ES_tradnl" sz="1200" dirty="0">
+              <a:solidFill>
+                <a:schemeClr val="accent4">
+                  <a:lumMod val="20000"/>
+                  <a:lumOff val="80000"/>
+                </a:schemeClr>
+              </a:solidFill>
+              <a:latin typeface="Kohinoor Bangla" panose="02000000000000000000" pitchFamily="2" charset="77"/>
+              <a:cs typeface="Kohinoor Bangla" panose="02000000000000000000" pitchFamily="2" charset="77"/>
+            </a:endParaRPr>
+          </a:p>
+          <a:p>
+            <a:pPr lvl="1"/>
+            <a:r>
+              <a:rPr lang="es-ES_tradnl" sz="1200" dirty="0">
+                <a:solidFill>
+                  <a:schemeClr val="accent4">
+                    <a:lumMod val="20000"/>
+                    <a:lumOff val="80000"/>
+                  </a:schemeClr>
+                </a:solidFill>
+                <a:latin typeface="Kohinoor Bangla" panose="02000000000000000000" pitchFamily="2" charset="77"/>
+                <a:cs typeface="Kohinoor Bangla" panose="02000000000000000000" pitchFamily="2" charset="77"/>
+              </a:rPr>
+              <a:t>2000 - 2004</a:t>
+            </a:r>
+          </a:p>
+        </p:txBody>
+      </p:sp>
+      <p:pic>
+        <p:nvPicPr>
+          <p:cNvPr id="6" name="Picture 5" descr="A person smiling for the camera&#10;&#10;AI-generated content may be incorrect.">
+            <a:extLst>
+              <a:ext uri="{FF2B5EF4-FFF2-40B4-BE49-F238E27FC236}">
+                <a16:creationId xmlns:a16="http://schemas.microsoft.com/office/drawing/2014/main" id="{26F14995-655A-DF5E-BD7B-9DEC7D430280}"/>
+              </a:ext>
+            </a:extLst>
+          </p:cNvPr>
+          <p:cNvPicPr>
+            <a:picLocks noChangeAspect="1"/>
+          </p:cNvPicPr>
+          <p:nvPr/>
+        </p:nvPicPr>
+        <p:blipFill>
+          <a:blip r:embed="rId2"/>
+          <a:stretch>
+            <a:fillRect/>
+          </a:stretch>
+        </p:blipFill>
+        <p:spPr>
+          <a:xfrm>
+            <a:off x="7790356" y="2057401"/>
+            <a:ext cx="3715844" cy="3715844"/>
+          </a:xfrm>
+          <a:prstGeom prst="rect">
+            <a:avLst/>
+          </a:prstGeom>
+        </p:spPr>
+      </p:pic>
     </p:spTree>
     <p:extLst>
       <p:ext uri="{BB962C8B-B14F-4D97-AF65-F5344CB8AC3E}">
@@ -5869,10 +6848,251 @@
   <p:cSld>
     <p:spTree>
       <p:nvGrpSpPr>
+        <p:cNvPr id="1" name=""/>
+        <p:cNvGrpSpPr/>
+        <p:nvPr/>
+      </p:nvGrpSpPr>
+      <p:grpSpPr>
+        <a:xfrm>
+          <a:off x="0" y="0"/>
+          <a:ext cx="0" cy="0"/>
+          <a:chOff x="0" y="0"/>
+          <a:chExt cx="0" cy="0"/>
+        </a:xfrm>
+      </p:grpSpPr>
+      <p:sp>
+        <p:nvSpPr>
+          <p:cNvPr id="2" name="Title 1">
+            <a:extLst>
+              <a:ext uri="{FF2B5EF4-FFF2-40B4-BE49-F238E27FC236}">
+                <a16:creationId xmlns:a16="http://schemas.microsoft.com/office/drawing/2014/main" id="{E3C0BE98-B9F3-EB75-9C84-1D2B43C975CD}"/>
+              </a:ext>
+            </a:extLst>
+          </p:cNvPr>
+          <p:cNvSpPr>
+            <a:spLocks noGrp="1"/>
+          </p:cNvSpPr>
+          <p:nvPr>
+            <p:ph type="title"/>
+          </p:nvPr>
+        </p:nvSpPr>
+        <p:spPr/>
+        <p:txBody>
+          <a:bodyPr/>
+          <a:lstStyle/>
+          <a:p>
+            <a:r>
+              <a:rPr lang="es-ES_tradnl" dirty="0"/>
+              <a:t>CONCLUSIONS</a:t>
+            </a:r>
+          </a:p>
+        </p:txBody>
+      </p:sp>
+      <p:sp>
+        <p:nvSpPr>
+          <p:cNvPr id="3" name="Content Placeholder 2">
+            <a:extLst>
+              <a:ext uri="{FF2B5EF4-FFF2-40B4-BE49-F238E27FC236}">
+                <a16:creationId xmlns:a16="http://schemas.microsoft.com/office/drawing/2014/main" id="{1A0D5528-469A-9BA7-73E8-8068789D015C}"/>
+              </a:ext>
+            </a:extLst>
+          </p:cNvPr>
+          <p:cNvSpPr>
+            <a:spLocks noGrp="1"/>
+          </p:cNvSpPr>
+          <p:nvPr>
+            <p:ph idx="1"/>
+          </p:nvPr>
+        </p:nvSpPr>
+        <p:spPr/>
+        <p:txBody>
+          <a:bodyPr/>
+          <a:lstStyle/>
+          <a:p>
+            <a:r>
+              <a:rPr lang="es-ES_tradnl" dirty="0" err="1"/>
+              <a:t>Decrease</a:t>
+            </a:r>
+            <a:r>
+              <a:rPr lang="es-ES_tradnl" dirty="0"/>
+              <a:t> in </a:t>
+            </a:r>
+            <a:r>
+              <a:rPr lang="es-ES_tradnl" dirty="0" err="1"/>
+              <a:t>consumption</a:t>
+            </a:r>
+            <a:r>
+              <a:rPr lang="es-ES_tradnl" dirty="0"/>
+              <a:t> </a:t>
+            </a:r>
+            <a:r>
+              <a:rPr lang="es-ES_tradnl" dirty="0" err="1"/>
+              <a:t>from</a:t>
+            </a:r>
+            <a:r>
+              <a:rPr lang="es-ES_tradnl" dirty="0"/>
+              <a:t> </a:t>
+            </a:r>
+            <a:r>
+              <a:rPr lang="es-ES_tradnl" dirty="0" err="1"/>
+              <a:t>thermal</a:t>
+            </a:r>
+            <a:r>
+              <a:rPr lang="es-ES_tradnl" dirty="0"/>
+              <a:t> </a:t>
+            </a:r>
+            <a:r>
+              <a:rPr lang="es-ES_tradnl" dirty="0" err="1"/>
+              <a:t>plants</a:t>
+            </a:r>
+            <a:r>
+              <a:rPr lang="es-ES_tradnl" dirty="0"/>
+              <a:t>.</a:t>
+            </a:r>
+          </a:p>
+          <a:p>
+            <a:r>
+              <a:rPr lang="es-ES_tradnl" dirty="0" err="1"/>
+              <a:t>Stable</a:t>
+            </a:r>
+            <a:r>
+              <a:rPr lang="es-ES_tradnl" dirty="0"/>
+              <a:t> </a:t>
+            </a:r>
+            <a:r>
+              <a:rPr lang="es-ES_tradnl" dirty="0" err="1"/>
+              <a:t>but</a:t>
+            </a:r>
+            <a:r>
+              <a:rPr lang="es-ES_tradnl" dirty="0"/>
+              <a:t> </a:t>
+            </a:r>
+            <a:r>
+              <a:rPr lang="es-ES_tradnl" dirty="0" err="1"/>
+              <a:t>minimal</a:t>
+            </a:r>
+            <a:r>
+              <a:rPr lang="es-ES_tradnl" dirty="0"/>
+              <a:t> </a:t>
+            </a:r>
+            <a:r>
+              <a:rPr lang="es-ES_tradnl" dirty="0" err="1"/>
+              <a:t>participation</a:t>
+            </a:r>
+            <a:r>
+              <a:rPr lang="es-ES_tradnl" dirty="0"/>
+              <a:t> </a:t>
+            </a:r>
+            <a:r>
+              <a:rPr lang="es-ES_tradnl" dirty="0" err="1"/>
+              <a:t>of</a:t>
+            </a:r>
+            <a:r>
+              <a:rPr lang="es-ES_tradnl" dirty="0"/>
+              <a:t> </a:t>
+            </a:r>
+            <a:r>
+              <a:rPr lang="es-ES_tradnl" dirty="0" err="1"/>
+              <a:t>renowable</a:t>
+            </a:r>
+            <a:r>
+              <a:rPr lang="es-ES_tradnl" dirty="0"/>
+              <a:t> </a:t>
+            </a:r>
+            <a:r>
+              <a:rPr lang="es-ES_tradnl" dirty="0" err="1"/>
+              <a:t>sources</a:t>
+            </a:r>
+            <a:r>
+              <a:rPr lang="es-ES_tradnl" dirty="0"/>
+              <a:t>: </a:t>
+            </a:r>
+            <a:r>
+              <a:rPr lang="es-ES_tradnl" dirty="0" err="1"/>
+              <a:t>wind</a:t>
+            </a:r>
+            <a:r>
+              <a:rPr lang="es-ES_tradnl" dirty="0"/>
+              <a:t>, </a:t>
+            </a:r>
+            <a:r>
+              <a:rPr lang="es-ES_tradnl" dirty="0" err="1"/>
+              <a:t>hydro</a:t>
+            </a:r>
+            <a:r>
+              <a:rPr lang="es-ES_tradnl" dirty="0"/>
+              <a:t> &amp; solar.</a:t>
+            </a:r>
+          </a:p>
+          <a:p>
+            <a:r>
+              <a:rPr lang="es-ES_tradnl" dirty="0" err="1"/>
+              <a:t>Important</a:t>
+            </a:r>
+            <a:r>
+              <a:rPr lang="es-ES_tradnl" dirty="0"/>
+              <a:t> and </a:t>
+            </a:r>
+            <a:r>
+              <a:rPr lang="es-ES_tradnl" dirty="0" err="1"/>
+              <a:t>stable</a:t>
+            </a:r>
+            <a:r>
+              <a:rPr lang="es-ES_tradnl" dirty="0"/>
+              <a:t> </a:t>
+            </a:r>
+            <a:r>
+              <a:rPr lang="es-ES_tradnl" dirty="0" err="1"/>
+              <a:t>contribution</a:t>
+            </a:r>
+            <a:r>
+              <a:rPr lang="es-ES_tradnl" dirty="0"/>
+              <a:t> </a:t>
+            </a:r>
+            <a:r>
+              <a:rPr lang="es-ES_tradnl" dirty="0" err="1"/>
+              <a:t>of</a:t>
+            </a:r>
+            <a:r>
+              <a:rPr lang="es-ES_tradnl" dirty="0"/>
+              <a:t> nuclear </a:t>
+            </a:r>
+            <a:r>
+              <a:rPr lang="es-ES_tradnl" dirty="0" err="1"/>
+              <a:t>origin</a:t>
+            </a:r>
+            <a:r>
+              <a:rPr lang="es-ES_tradnl" dirty="0"/>
+              <a:t>.</a:t>
+            </a:r>
+          </a:p>
+          <a:p>
+            <a:endParaRPr lang="es-ES_tradnl" dirty="0"/>
+          </a:p>
+        </p:txBody>
+      </p:sp>
+    </p:spTree>
+    <p:extLst>
+      <p:ext uri="{BB962C8B-B14F-4D97-AF65-F5344CB8AC3E}">
+        <p14:creationId xmlns:p14="http://schemas.microsoft.com/office/powerpoint/2010/main" val="3370005517"/>
+      </p:ext>
+    </p:extLst>
+  </p:cSld>
+  <p:clrMapOvr>
+    <a:masterClrMapping/>
+  </p:clrMapOvr>
+</p:sld>
+</file>
+
+<file path=ppt/slides/slide4.xml><?xml version="1.0" encoding="utf-8"?>
+<p:sld xmlns:a="http://schemas.openxmlformats.org/drawingml/2006/main" xmlns:r="http://schemas.openxmlformats.org/officeDocument/2006/relationships" xmlns:p="http://schemas.openxmlformats.org/presentationml/2006/main">
+  <p:cSld>
+    <p:spTree>
+      <p:nvGrpSpPr>
         <p:cNvPr id="1" name="">
           <a:extLst>
             <a:ext uri="{FF2B5EF4-FFF2-40B4-BE49-F238E27FC236}">
-              <a16:creationId xmlns:a16="http://schemas.microsoft.com/office/drawing/2014/main" id="{CEE8857B-7692-C80A-B8C4-BE13BD0C757A}"/>
+              <a16:creationId xmlns:a16="http://schemas.microsoft.com/office/drawing/2014/main" id="{3E474542-567F-5D8A-EED2-5AED1B39DA36}"/>
             </a:ext>
           </a:extLst>
         </p:cNvPr>
@@ -5887,12 +7107,127 @@
           <a:chExt cx="0" cy="0"/>
         </a:xfrm>
       </p:grpSpPr>
+      <p:pic>
+        <p:nvPicPr>
+          <p:cNvPr id="7" name="Picture 6">
+            <a:extLst>
+              <a:ext uri="{FF2B5EF4-FFF2-40B4-BE49-F238E27FC236}">
+                <a16:creationId xmlns:a16="http://schemas.microsoft.com/office/drawing/2014/main" id="{9E190594-6657-F10F-6AE6-A2F588A60983}"/>
+              </a:ext>
+            </a:extLst>
+          </p:cNvPr>
+          <p:cNvPicPr>
+            <a:picLocks noChangeAspect="1"/>
+          </p:cNvPicPr>
+          <p:nvPr/>
+        </p:nvPicPr>
+        <p:blipFill>
+          <a:blip r:embed="rId2"/>
+          <a:stretch>
+            <a:fillRect/>
+          </a:stretch>
+        </p:blipFill>
+        <p:spPr>
+          <a:xfrm>
+            <a:off x="1126791" y="503789"/>
+            <a:ext cx="9938418" cy="5850422"/>
+          </a:xfrm>
+          <a:prstGeom prst="rect">
+            <a:avLst/>
+          </a:prstGeom>
+        </p:spPr>
+      </p:pic>
+      <p:sp>
+        <p:nvSpPr>
+          <p:cNvPr id="11" name="TextBox 10">
+            <a:extLst>
+              <a:ext uri="{FF2B5EF4-FFF2-40B4-BE49-F238E27FC236}">
+                <a16:creationId xmlns:a16="http://schemas.microsoft.com/office/drawing/2014/main" id="{5436B133-9DFA-59C9-5FE0-B651D9C14D6F}"/>
+              </a:ext>
+            </a:extLst>
+          </p:cNvPr>
+          <p:cNvSpPr txBox="1"/>
+          <p:nvPr/>
+        </p:nvSpPr>
+        <p:spPr>
+          <a:xfrm>
+            <a:off x="3197741" y="6354211"/>
+            <a:ext cx="6097772" cy="369332"/>
+          </a:xfrm>
+          <a:prstGeom prst="rect">
+            <a:avLst/>
+          </a:prstGeom>
+          <a:noFill/>
+        </p:spPr>
+        <p:txBody>
+          <a:bodyPr wrap="square">
+            <a:spAutoFit/>
+          </a:bodyPr>
+          <a:lstStyle/>
+          <a:p>
+            <a:pPr algn="ctr"/>
+            <a:r>
+              <a:rPr lang="es-ES_tradnl" dirty="0"/>
+              <a:t>https://</a:t>
+            </a:r>
+            <a:r>
+              <a:rPr lang="es-ES_tradnl" dirty="0" err="1"/>
+              <a:t>csu.gov.cz</a:t>
+            </a:r>
+            <a:r>
+              <a:rPr lang="es-ES_tradnl" dirty="0"/>
+              <a:t>/</a:t>
+            </a:r>
+            <a:r>
+              <a:rPr lang="es-ES_tradnl" dirty="0" err="1"/>
+              <a:t>energy</a:t>
+            </a:r>
+            <a:endParaRPr lang="es-ES_tradnl" dirty="0"/>
+          </a:p>
+        </p:txBody>
+      </p:sp>
+    </p:spTree>
+    <p:extLst>
+      <p:ext uri="{BB962C8B-B14F-4D97-AF65-F5344CB8AC3E}">
+        <p14:creationId xmlns:p14="http://schemas.microsoft.com/office/powerpoint/2010/main" val="350519105"/>
+      </p:ext>
+    </p:extLst>
+  </p:cSld>
+  <p:clrMapOvr>
+    <a:masterClrMapping/>
+  </p:clrMapOvr>
+</p:sld>
+</file>
+
+<file path=ppt/slides/slide5.xml><?xml version="1.0" encoding="utf-8"?>
+<p:sld xmlns:a="http://schemas.openxmlformats.org/drawingml/2006/main" xmlns:r="http://schemas.openxmlformats.org/officeDocument/2006/relationships" xmlns:p="http://schemas.openxmlformats.org/presentationml/2006/main">
+  <p:cSld>
+    <p:spTree>
+      <p:nvGrpSpPr>
+        <p:cNvPr id="1" name="">
+          <a:extLst>
+            <a:ext uri="{FF2B5EF4-FFF2-40B4-BE49-F238E27FC236}">
+              <a16:creationId xmlns:a16="http://schemas.microsoft.com/office/drawing/2014/main" id="{C6869B56-CFAD-55F2-4B3A-E19BB0DE955B}"/>
+            </a:ext>
+          </a:extLst>
+        </p:cNvPr>
+        <p:cNvGrpSpPr/>
+        <p:nvPr/>
+      </p:nvGrpSpPr>
+      <p:grpSpPr>
+        <a:xfrm>
+          <a:off x="0" y="0"/>
+          <a:ext cx="0" cy="0"/>
+          <a:chOff x="0" y="0"/>
+          <a:chExt cx="0" cy="0"/>
+        </a:xfrm>
+      </p:grpSpPr>
       <p:sp>
         <p:nvSpPr>
           <p:cNvPr id="2" name="Title 1">
             <a:extLst>
               <a:ext uri="{FF2B5EF4-FFF2-40B4-BE49-F238E27FC236}">
-                <a16:creationId xmlns:a16="http://schemas.microsoft.com/office/drawing/2014/main" id="{22A34618-D58C-041B-F48E-CFFD89CB1F57}"/>
+                <a16:creationId xmlns:a16="http://schemas.microsoft.com/office/drawing/2014/main" id="{4FCC28FC-A875-84AF-B53B-CD4BDE73C6F0}"/>
               </a:ext>
             </a:extLst>
           </p:cNvPr>
@@ -5905,65 +7240,22 @@
         </p:nvSpPr>
         <p:spPr/>
         <p:txBody>
-          <a:bodyPr/>
+          <a:bodyPr>
+            <a:normAutofit/>
+          </a:bodyPr>
           <a:lstStyle/>
           <a:p>
             <a:r>
-              <a:rPr lang="es-ES_tradnl" dirty="0"/>
-              <a:t>VIP</a:t>
-            </a:r>
-          </a:p>
-        </p:txBody>
-      </p:sp>
-      <p:sp>
-        <p:nvSpPr>
-          <p:cNvPr id="3" name="Subtitle 2">
-            <a:extLst>
-              <a:ext uri="{FF2B5EF4-FFF2-40B4-BE49-F238E27FC236}">
-                <a16:creationId xmlns:a16="http://schemas.microsoft.com/office/drawing/2014/main" id="{C41DFF15-9F74-97E5-709A-A6BA5EFD40D1}"/>
-              </a:ext>
-            </a:extLst>
-          </p:cNvPr>
-          <p:cNvSpPr>
-            <a:spLocks noGrp="1"/>
-          </p:cNvSpPr>
-          <p:nvPr>
-            <p:ph type="subTitle" idx="1"/>
-          </p:nvPr>
-        </p:nvSpPr>
-        <p:spPr/>
-        <p:txBody>
-          <a:bodyPr/>
-          <a:lstStyle/>
-          <a:p>
-            <a:r>
-              <a:rPr lang="es-ES_tradnl" dirty="0" err="1"/>
-              <a:t>Very</a:t>
-            </a:r>
-            <a:r>
-              <a:rPr lang="es-ES_tradnl" dirty="0"/>
-              <a:t> </a:t>
-            </a:r>
-            <a:r>
-              <a:rPr lang="es-ES_tradnl" dirty="0" err="1"/>
-              <a:t>Important</a:t>
-            </a:r>
-            <a:r>
-              <a:rPr lang="es-ES_tradnl" dirty="0"/>
-              <a:t> </a:t>
-            </a:r>
-            <a:r>
-              <a:rPr lang="es-ES_tradnl" dirty="0" err="1"/>
-              <a:t>Presentation</a:t>
-            </a:r>
-            <a:endParaRPr lang="es-ES_tradnl" dirty="0"/>
+              <a:rPr lang="es-ES_tradnl" sz="4500" dirty="0"/>
+              <a:t>THANK YOU</a:t>
+            </a:r>
           </a:p>
         </p:txBody>
       </p:sp>
     </p:spTree>
     <p:extLst>
       <p:ext uri="{BB962C8B-B14F-4D97-AF65-F5344CB8AC3E}">
-        <p14:creationId xmlns:p14="http://schemas.microsoft.com/office/powerpoint/2010/main" val="801245052"/>
+        <p14:creationId xmlns:p14="http://schemas.microsoft.com/office/powerpoint/2010/main" val="1307212168"/>
       </p:ext>
     </p:extLst>
   </p:cSld>
